--- a/提出（学生が出す）ー岡本/AM/17698 anu/pokhara nepal.pptx
+++ b/提出（学生が出す）ー岡本/AM/17698 anu/pokhara nepal.pptx
@@ -246,7 +246,7 @@
           <a:p>
             <a:fld id="{F0DF43D6-8098-48DE-A3F2-AE4755806BA9}" type="datetimeFigureOut">
               <a:rPr kumimoji="1" lang="ja-JP" altLang="en-US" smtClean="0"/>
-              <a:t>2019/10/24</a:t>
+              <a:t>2019/10/31</a:t>
             </a:fld>
             <a:endParaRPr kumimoji="1" lang="ja-JP" altLang="en-US"/>
           </a:p>
@@ -448,7 +448,7 @@
           <a:p>
             <a:fld id="{F0DF43D6-8098-48DE-A3F2-AE4755806BA9}" type="datetimeFigureOut">
               <a:rPr kumimoji="1" lang="ja-JP" altLang="en-US" smtClean="0"/>
-              <a:t>2019/10/24</a:t>
+              <a:t>2019/10/31</a:t>
             </a:fld>
             <a:endParaRPr kumimoji="1" lang="ja-JP" altLang="en-US"/>
           </a:p>
@@ -660,7 +660,7 @@
           <a:p>
             <a:fld id="{F0DF43D6-8098-48DE-A3F2-AE4755806BA9}" type="datetimeFigureOut">
               <a:rPr kumimoji="1" lang="ja-JP" altLang="en-US" smtClean="0"/>
-              <a:t>2019/10/24</a:t>
+              <a:t>2019/10/31</a:t>
             </a:fld>
             <a:endParaRPr kumimoji="1" lang="ja-JP" altLang="en-US"/>
           </a:p>
@@ -862,7 +862,7 @@
           <a:p>
             <a:fld id="{F0DF43D6-8098-48DE-A3F2-AE4755806BA9}" type="datetimeFigureOut">
               <a:rPr kumimoji="1" lang="ja-JP" altLang="en-US" smtClean="0"/>
-              <a:t>2019/10/24</a:t>
+              <a:t>2019/10/31</a:t>
             </a:fld>
             <a:endParaRPr kumimoji="1" lang="ja-JP" altLang="en-US"/>
           </a:p>
@@ -1108,7 +1108,7 @@
           <a:p>
             <a:fld id="{F0DF43D6-8098-48DE-A3F2-AE4755806BA9}" type="datetimeFigureOut">
               <a:rPr kumimoji="1" lang="ja-JP" altLang="en-US" smtClean="0"/>
-              <a:t>2019/10/24</a:t>
+              <a:t>2019/10/31</a:t>
             </a:fld>
             <a:endParaRPr kumimoji="1" lang="ja-JP" altLang="en-US"/>
           </a:p>
@@ -1404,7 +1404,7 @@
           <a:p>
             <a:fld id="{F0DF43D6-8098-48DE-A3F2-AE4755806BA9}" type="datetimeFigureOut">
               <a:rPr kumimoji="1" lang="ja-JP" altLang="en-US" smtClean="0"/>
-              <a:t>2019/10/24</a:t>
+              <a:t>2019/10/31</a:t>
             </a:fld>
             <a:endParaRPr kumimoji="1" lang="ja-JP" altLang="en-US"/>
           </a:p>
@@ -1835,7 +1835,7 @@
           <a:p>
             <a:fld id="{F0DF43D6-8098-48DE-A3F2-AE4755806BA9}" type="datetimeFigureOut">
               <a:rPr kumimoji="1" lang="ja-JP" altLang="en-US" smtClean="0"/>
-              <a:t>2019/10/24</a:t>
+              <a:t>2019/10/31</a:t>
             </a:fld>
             <a:endParaRPr kumimoji="1" lang="ja-JP" altLang="en-US"/>
           </a:p>
@@ -1953,7 +1953,7 @@
           <a:p>
             <a:fld id="{F0DF43D6-8098-48DE-A3F2-AE4755806BA9}" type="datetimeFigureOut">
               <a:rPr kumimoji="1" lang="ja-JP" altLang="en-US" smtClean="0"/>
-              <a:t>2019/10/24</a:t>
+              <a:t>2019/10/31</a:t>
             </a:fld>
             <a:endParaRPr kumimoji="1" lang="ja-JP" altLang="en-US"/>
           </a:p>
@@ -2048,7 +2048,7 @@
           <a:p>
             <a:fld id="{F0DF43D6-8098-48DE-A3F2-AE4755806BA9}" type="datetimeFigureOut">
               <a:rPr kumimoji="1" lang="ja-JP" altLang="en-US" smtClean="0"/>
-              <a:t>2019/10/24</a:t>
+              <a:t>2019/10/31</a:t>
             </a:fld>
             <a:endParaRPr kumimoji="1" lang="ja-JP" altLang="en-US"/>
           </a:p>
@@ -2357,7 +2357,7 @@
           <a:p>
             <a:fld id="{F0DF43D6-8098-48DE-A3F2-AE4755806BA9}" type="datetimeFigureOut">
               <a:rPr kumimoji="1" lang="ja-JP" altLang="en-US" smtClean="0"/>
-              <a:t>2019/10/24</a:t>
+              <a:t>2019/10/31</a:t>
             </a:fld>
             <a:endParaRPr kumimoji="1" lang="ja-JP" altLang="en-US"/>
           </a:p>
@@ -2610,7 +2610,7 @@
           <a:p>
             <a:fld id="{F0DF43D6-8098-48DE-A3F2-AE4755806BA9}" type="datetimeFigureOut">
               <a:rPr kumimoji="1" lang="ja-JP" altLang="en-US" smtClean="0"/>
-              <a:t>2019/10/24</a:t>
+              <a:t>2019/10/31</a:t>
             </a:fld>
             <a:endParaRPr kumimoji="1" lang="ja-JP" altLang="en-US"/>
           </a:p>
@@ -2855,7 +2855,7 @@
           <a:p>
             <a:fld id="{F0DF43D6-8098-48DE-A3F2-AE4755806BA9}" type="datetimeFigureOut">
               <a:rPr kumimoji="1" lang="ja-JP" altLang="en-US" smtClean="0"/>
-              <a:t>2019/10/24</a:t>
+              <a:t>2019/10/31</a:t>
             </a:fld>
             <a:endParaRPr kumimoji="1" lang="ja-JP" altLang="en-US"/>
           </a:p>
@@ -3272,8 +3272,8 @@
         </p:nvSpPr>
         <p:spPr>
           <a:xfrm>
-            <a:off x="956930" y="-63795"/>
-            <a:ext cx="9711070" cy="967080"/>
+            <a:off x="3030582" y="640079"/>
+            <a:ext cx="7637417" cy="263205"/>
           </a:xfrm>
         </p:spPr>
         <p:txBody>
@@ -3302,25 +3302,34 @@
               </a:rPr>
             </a:br>
             <a:r>
-              <a:rPr lang="ja-JP" altLang="en-US" sz="4800" b="1" dirty="0" smtClean="0">
+              <a:rPr lang="en-US" altLang="ja-JP" sz="4800" b="1" dirty="0" err="1" smtClean="0">
                 <a:solidFill>
                   <a:srgbClr val="FF0000"/>
                 </a:solidFill>
                 <a:latin typeface="HGP創英ﾌﾟﾚｾﾞﾝｽEB" panose="02020800000000000000" pitchFamily="18" charset="-128"/>
                 <a:ea typeface="HGP創英ﾌﾟﾚｾﾞﾝｽEB" panose="02020800000000000000" pitchFamily="18" charset="-128"/>
               </a:rPr>
-              <a:t>ポカラ </a:t>
-            </a:r>
-            <a:r>
-              <a:rPr lang="ja-JP" altLang="en-US" sz="4800" b="1" dirty="0">
+              <a:t>pokhara</a:t>
+            </a:r>
+            <a:r>
+              <a:rPr lang="en-US" altLang="ja-JP" sz="4800" b="1" dirty="0" smtClean="0">
                 <a:solidFill>
                   <a:srgbClr val="FF0000"/>
                 </a:solidFill>
                 <a:latin typeface="HGP創英ﾌﾟﾚｾﾞﾝｽEB" panose="02020800000000000000" pitchFamily="18" charset="-128"/>
                 <a:ea typeface="HGP創英ﾌﾟﾚｾﾞﾝｽEB" panose="02020800000000000000" pitchFamily="18" charset="-128"/>
               </a:rPr>
-              <a:t>街</a:t>
-            </a:r>
+              <a:t> city</a:t>
+            </a:r>
+            <a:br>
+              <a:rPr lang="en-US" altLang="ja-JP" sz="4800" b="1" dirty="0" smtClean="0">
+                <a:solidFill>
+                  <a:srgbClr val="FF0000"/>
+                </a:solidFill>
+                <a:latin typeface="HGP創英ﾌﾟﾚｾﾞﾝｽEB" panose="02020800000000000000" pitchFamily="18" charset="-128"/>
+                <a:ea typeface="HGP創英ﾌﾟﾚｾﾞﾝｽEB" panose="02020800000000000000" pitchFamily="18" charset="-128"/>
+              </a:rPr>
+            </a:br>
             <a:endParaRPr kumimoji="1" lang="ja-JP" altLang="en-US" sz="4800" b="1" dirty="0">
               <a:solidFill>
                 <a:srgbClr val="FF0000"/>
